--- a/答辩.pptx
+++ b/答辩.pptx
@@ -209,7 +209,7 @@
           <a:p>
             <a:fld id="{00778400-D04D-42CB-888D-BD5DCABC5D91}" type="datetimeFigureOut">
               <a:rPr lang="zh-CN" altLang="en-US" smtClean="0"/>
-              <a:t>2022/4/3</a:t>
+              <a:t>2022/4/4</a:t>
             </a:fld>
             <a:endParaRPr lang="zh-CN" altLang="en-US"/>
           </a:p>
@@ -3956,7 +3956,29 @@
                   </a:schemeClr>
                 </a:solidFill>
               </a:rPr>
-              <a:t>分类树与回归树的损失函数的计算。</a:t>
+              <a:t>分类树与回归树的损失函数的计算以及</a:t>
+            </a:r>
+            <a:r>
+              <a:rPr lang="en-US" altLang="zh-CN" sz="1600" dirty="0">
+                <a:solidFill>
+                  <a:schemeClr val="tx1">
+                    <a:lumMod val="65000"/>
+                    <a:lumOff val="35000"/>
+                  </a:schemeClr>
+                </a:solidFill>
+              </a:rPr>
+              <a:t>α</a:t>
+            </a:r>
+            <a:r>
+              <a:rPr lang="zh-CN" altLang="en-US" sz="1600" dirty="0">
+                <a:solidFill>
+                  <a:schemeClr val="tx1">
+                    <a:lumMod val="65000"/>
+                    <a:lumOff val="35000"/>
+                  </a:schemeClr>
+                </a:solidFill>
+              </a:rPr>
+              <a:t>的计算。</a:t>
             </a:r>
           </a:p>
         </p:txBody>
@@ -4043,7 +4065,7 @@
         </p:blipFill>
         <p:spPr>
           <a:xfrm>
-            <a:off x="753623" y="3502130"/>
+            <a:off x="753623" y="3690030"/>
             <a:ext cx="4636316" cy="2932704"/>
           </a:xfrm>
           <a:prstGeom prst="rect">
@@ -4061,6 +4083,126 @@
   <p:clrMapOvr>
     <a:masterClrMapping/>
   </p:clrMapOvr>
+  <p:timing>
+    <p:tnLst>
+      <p:par>
+        <p:cTn id="1" dur="indefinite" restart="never" nodeType="tmRoot">
+          <p:childTnLst>
+            <p:seq concurrent="1" nextAc="seek">
+              <p:cTn id="2" dur="indefinite" nodeType="mainSeq">
+                <p:childTnLst>
+                  <p:par>
+                    <p:cTn id="3" fill="hold">
+                      <p:stCondLst>
+                        <p:cond delay="indefinite"/>
+                      </p:stCondLst>
+                      <p:childTnLst>
+                        <p:par>
+                          <p:cTn id="4" fill="hold">
+                            <p:stCondLst>
+                              <p:cond delay="0"/>
+                            </p:stCondLst>
+                            <p:childTnLst>
+                              <p:par>
+                                <p:cTn id="5" presetID="1" presetClass="entr" presetSubtype="0" fill="hold" nodeType="clickEffect">
+                                  <p:stCondLst>
+                                    <p:cond delay="0"/>
+                                  </p:stCondLst>
+                                  <p:childTnLst>
+                                    <p:set>
+                                      <p:cBhvr>
+                                        <p:cTn id="6" dur="1" fill="hold">
+                                          <p:stCondLst>
+                                            <p:cond delay="0"/>
+                                          </p:stCondLst>
+                                        </p:cTn>
+                                        <p:tgtEl>
+                                          <p:spTgt spid="26"/>
+                                        </p:tgtEl>
+                                        <p:attrNameLst>
+                                          <p:attrName>style.visibility</p:attrName>
+                                        </p:attrNameLst>
+                                      </p:cBhvr>
+                                      <p:to>
+                                        <p:strVal val="visible"/>
+                                      </p:to>
+                                    </p:set>
+                                  </p:childTnLst>
+                                </p:cTn>
+                              </p:par>
+                            </p:childTnLst>
+                          </p:cTn>
+                        </p:par>
+                      </p:childTnLst>
+                    </p:cTn>
+                  </p:par>
+                  <p:par>
+                    <p:cTn id="7" fill="hold">
+                      <p:stCondLst>
+                        <p:cond delay="indefinite"/>
+                      </p:stCondLst>
+                      <p:childTnLst>
+                        <p:par>
+                          <p:cTn id="8" fill="hold">
+                            <p:stCondLst>
+                              <p:cond delay="0"/>
+                            </p:stCondLst>
+                            <p:childTnLst>
+                              <p:par>
+                                <p:cTn id="9" presetID="1" presetClass="entr" presetSubtype="0" fill="hold" nodeType="clickEffect">
+                                  <p:stCondLst>
+                                    <p:cond delay="0"/>
+                                  </p:stCondLst>
+                                  <p:childTnLst>
+                                    <p:set>
+                                      <p:cBhvr>
+                                        <p:cTn id="10" dur="1" fill="hold">
+                                          <p:stCondLst>
+                                            <p:cond delay="0"/>
+                                          </p:stCondLst>
+                                        </p:cTn>
+                                        <p:tgtEl>
+                                          <p:spTgt spid="24"/>
+                                        </p:tgtEl>
+                                        <p:attrNameLst>
+                                          <p:attrName>style.visibility</p:attrName>
+                                        </p:attrNameLst>
+                                      </p:cBhvr>
+                                      <p:to>
+                                        <p:strVal val="visible"/>
+                                      </p:to>
+                                    </p:set>
+                                  </p:childTnLst>
+                                </p:cTn>
+                              </p:par>
+                            </p:childTnLst>
+                          </p:cTn>
+                        </p:par>
+                      </p:childTnLst>
+                    </p:cTn>
+                  </p:par>
+                </p:childTnLst>
+              </p:cTn>
+              <p:prevCondLst>
+                <p:cond evt="onPrev" delay="0">
+                  <p:tgtEl>
+                    <p:sldTgt/>
+                  </p:tgtEl>
+                </p:cond>
+              </p:prevCondLst>
+              <p:nextCondLst>
+                <p:cond evt="onNext" delay="0">
+                  <p:tgtEl>
+                    <p:sldTgt/>
+                  </p:tgtEl>
+                </p:cond>
+              </p:nextCondLst>
+            </p:seq>
+          </p:childTnLst>
+        </p:cTn>
+      </p:par>
+    </p:tnLst>
+  </p:timing>
 </p:sld>
 </file>
 
@@ -5669,7 +5811,7 @@
         </p:blipFill>
         <p:spPr bwMode="auto">
           <a:xfrm>
-            <a:off x="5296464" y="2048236"/>
+            <a:off x="5296464" y="1981124"/>
             <a:ext cx="6895536" cy="4809764"/>
           </a:xfrm>
           <a:prstGeom prst="rect">
@@ -5824,36 +5966,6 @@
       </p:sp>
       <p:pic>
         <p:nvPicPr>
-          <p:cNvPr id="7" name="图片 6">
-            <a:extLst>
-              <a:ext uri="{FF2B5EF4-FFF2-40B4-BE49-F238E27FC236}">
-                <a16:creationId xmlns:a16="http://schemas.microsoft.com/office/drawing/2014/main" id="{751D2590-9FFD-4EBD-9020-573AA8E1DC6D}"/>
-              </a:ext>
-            </a:extLst>
-          </p:cNvPr>
-          <p:cNvPicPr>
-            <a:picLocks noChangeAspect="1"/>
-          </p:cNvPicPr>
-          <p:nvPr/>
-        </p:nvPicPr>
-        <p:blipFill>
-          <a:blip r:embed="rId2"/>
-          <a:stretch>
-            <a:fillRect/>
-          </a:stretch>
-        </p:blipFill>
-        <p:spPr>
-          <a:xfrm>
-            <a:off x="942256" y="1966708"/>
-            <a:ext cx="5153744" cy="2924583"/>
-          </a:xfrm>
-          <a:prstGeom prst="rect">
-            <a:avLst/>
-          </a:prstGeom>
-        </p:spPr>
-      </p:pic>
-      <p:pic>
-        <p:nvPicPr>
           <p:cNvPr id="3074" name="Picture 2">
             <a:extLst>
               <a:ext uri="{FF2B5EF4-FFF2-40B4-BE49-F238E27FC236}">
@@ -5867,7 +5979,7 @@
           <p:nvPr/>
         </p:nvPicPr>
         <p:blipFill>
-          <a:blip r:embed="rId3">
+          <a:blip r:embed="rId2">
             <a:extLst>
               <a:ext uri="{28A0092B-C50C-407E-A947-70E740481C1C}">
                 <a14:useLocalDpi xmlns:a14="http://schemas.microsoft.com/office/drawing/2010/main" val="0"/>
@@ -5914,7 +6026,7 @@
           <p:nvPr/>
         </p:nvPicPr>
         <p:blipFill>
-          <a:blip r:embed="rId4"/>
+          <a:blip r:embed="rId3"/>
           <a:stretch>
             <a:fillRect/>
           </a:stretch>
@@ -5929,6 +6041,361 @@
           </a:prstGeom>
         </p:spPr>
       </p:pic>
+      <p:sp>
+        <p:nvSpPr>
+          <p:cNvPr id="14" name="矩形 13">
+            <a:extLst>
+              <a:ext uri="{FF2B5EF4-FFF2-40B4-BE49-F238E27FC236}">
+                <a16:creationId xmlns:a16="http://schemas.microsoft.com/office/drawing/2014/main" id="{785E302F-5834-480E-98E6-BD59E7E92816}"/>
+              </a:ext>
+            </a:extLst>
+          </p:cNvPr>
+          <p:cNvSpPr/>
+          <p:nvPr/>
+        </p:nvSpPr>
+        <p:spPr>
+          <a:xfrm>
+            <a:off x="944245" y="1966912"/>
+            <a:ext cx="990600" cy="2924175"/>
+          </a:xfrm>
+          <a:prstGeom prst="rect">
+            <a:avLst/>
+          </a:prstGeom>
+          <a:solidFill>
+            <a:srgbClr val="70AD47">
+              <a:lumMod val="60000"/>
+              <a:lumOff val="40000"/>
+            </a:srgbClr>
+          </a:solidFill>
+          <a:ln w="12700" cap="flat" cmpd="sng" algn="ctr">
+            <a:solidFill>
+              <a:srgbClr val="4472C4">
+                <a:shade val="50000"/>
+              </a:srgbClr>
+            </a:solidFill>
+            <a:prstDash val="solid"/>
+            <a:miter lim="800000"/>
+          </a:ln>
+          <a:effectLst/>
+        </p:spPr>
+        <p:txBody>
+          <a:bodyPr rot="0" spcFirstLastPara="0" vert="horz" wrap="square" lIns="91440" tIns="45720" rIns="91440" bIns="45720" numCol="1" spcCol="0" rtlCol="0" fromWordArt="0" anchor="ctr" anchorCtr="0" forceAA="0" compatLnSpc="1">
+            <a:prstTxWarp prst="textNoShape">
+              <a:avLst/>
+            </a:prstTxWarp>
+            <a:noAutofit/>
+          </a:bodyPr>
+          <a:lstStyle/>
+          <a:p>
+            <a:pPr marL="0" marR="0" lvl="0" indent="0" algn="ctr" defTabSz="914400" eaLnBrk="1" fontAlgn="auto" latinLnBrk="0" hangingPunct="1">
+              <a:lnSpc>
+                <a:spcPct val="100000"/>
+              </a:lnSpc>
+              <a:spcBef>
+                <a:spcPts val="0"/>
+              </a:spcBef>
+              <a:spcAft>
+                <a:spcPts val="0"/>
+              </a:spcAft>
+              <a:buClrTx/>
+              <a:buSzTx/>
+              <a:buFontTx/>
+              <a:buNone/>
+              <a:tabLst/>
+              <a:defRPr/>
+            </a:pPr>
+            <a:r>
+              <a:rPr kumimoji="0" lang="zh-CN" altLang="en-US" sz="1500" b="0" i="0" u="none" strike="noStrike" kern="100" cap="none" spc="0" normalizeH="0" baseline="0" noProof="0">
+                <a:ln>
+                  <a:noFill/>
+                </a:ln>
+                <a:solidFill>
+                  <a:sysClr val="window" lastClr="FFFFFF"/>
+                </a:solidFill>
+                <a:effectLst/>
+                <a:uLnTx/>
+                <a:uFillTx/>
+                <a:latin typeface="等线" panose="020F0502020204030204"/>
+                <a:ea typeface="宋体" panose="02010600030101010101" pitchFamily="2" charset="-122"/>
+                <a:cs typeface="Times New Roman" panose="02020603050405020304" pitchFamily="18" charset="0"/>
+              </a:rPr>
+              <a:t>数据预处理及偏置、权重的初始化</a:t>
+            </a:r>
+            <a:endParaRPr kumimoji="0" lang="zh-CN" altLang="en-US" sz="1050" b="0" i="0" u="none" strike="noStrike" kern="100" cap="none" spc="0" normalizeH="0" baseline="0" noProof="0">
+              <a:ln>
+                <a:noFill/>
+              </a:ln>
+              <a:solidFill>
+                <a:sysClr val="window" lastClr="FFFFFF"/>
+              </a:solidFill>
+              <a:effectLst/>
+              <a:uLnTx/>
+              <a:uFillTx/>
+              <a:latin typeface="等线" panose="020F0502020204030204"/>
+              <a:ea typeface="等线" panose="02010600030101010101" pitchFamily="2" charset="-122"/>
+              <a:cs typeface="Times New Roman" panose="02020603050405020304" pitchFamily="18" charset="0"/>
+            </a:endParaRPr>
+          </a:p>
+        </p:txBody>
+      </p:sp>
+      <p:sp>
+        <p:nvSpPr>
+          <p:cNvPr id="15" name="矩形 14">
+            <a:extLst>
+              <a:ext uri="{FF2B5EF4-FFF2-40B4-BE49-F238E27FC236}">
+                <a16:creationId xmlns:a16="http://schemas.microsoft.com/office/drawing/2014/main" id="{11D9AEF5-D1EE-43C1-A857-D638085E7E6B}"/>
+              </a:ext>
+            </a:extLst>
+          </p:cNvPr>
+          <p:cNvSpPr/>
+          <p:nvPr/>
+        </p:nvSpPr>
+        <p:spPr>
+          <a:xfrm>
+            <a:off x="2981325" y="1966912"/>
+            <a:ext cx="990600" cy="2924175"/>
+          </a:xfrm>
+          <a:prstGeom prst="rect">
+            <a:avLst/>
+          </a:prstGeom>
+          <a:solidFill>
+            <a:srgbClr val="70AD47">
+              <a:lumMod val="60000"/>
+              <a:lumOff val="40000"/>
+            </a:srgbClr>
+          </a:solidFill>
+          <a:ln w="12700" cap="flat" cmpd="sng" algn="ctr">
+            <a:solidFill>
+              <a:srgbClr val="4472C4">
+                <a:shade val="50000"/>
+              </a:srgbClr>
+            </a:solidFill>
+            <a:prstDash val="solid"/>
+            <a:miter lim="800000"/>
+          </a:ln>
+          <a:effectLst/>
+        </p:spPr>
+        <p:txBody>
+          <a:bodyPr rot="0" spcFirstLastPara="0" vert="horz" wrap="square" lIns="91440" tIns="45720" rIns="91440" bIns="45720" numCol="1" spcCol="0" rtlCol="0" fromWordArt="0" anchor="ctr" anchorCtr="0" forceAA="0" compatLnSpc="1">
+            <a:prstTxWarp prst="textNoShape">
+              <a:avLst/>
+            </a:prstTxWarp>
+            <a:noAutofit/>
+          </a:bodyPr>
+          <a:lstStyle/>
+          <a:p>
+            <a:pPr marL="0" marR="0" lvl="0" indent="0" algn="ctr" defTabSz="914400" eaLnBrk="1" fontAlgn="auto" latinLnBrk="0" hangingPunct="1">
+              <a:lnSpc>
+                <a:spcPct val="100000"/>
+              </a:lnSpc>
+              <a:spcBef>
+                <a:spcPts val="0"/>
+              </a:spcBef>
+              <a:spcAft>
+                <a:spcPts val="0"/>
+              </a:spcAft>
+              <a:buClrTx/>
+              <a:buSzTx/>
+              <a:buFontTx/>
+              <a:buNone/>
+              <a:tabLst/>
+              <a:defRPr/>
+            </a:pPr>
+            <a:r>
+              <a:rPr kumimoji="0" lang="zh-CN" altLang="en-US" sz="1500" b="0" i="0" u="none" strike="noStrike" kern="100" cap="none" spc="0" normalizeH="0" baseline="0" noProof="0">
+                <a:ln>
+                  <a:noFill/>
+                </a:ln>
+                <a:solidFill>
+                  <a:sysClr val="window" lastClr="FFFFFF"/>
+                </a:solidFill>
+                <a:effectLst/>
+                <a:uLnTx/>
+                <a:uFillTx/>
+                <a:latin typeface="等线" panose="020F0502020204030204"/>
+                <a:ea typeface="宋体" panose="02010600030101010101" pitchFamily="2" charset="-122"/>
+                <a:cs typeface="Times New Roman" panose="02020603050405020304" pitchFamily="18" charset="0"/>
+              </a:rPr>
+              <a:t>设置学习率与迭代次数并开始迭代</a:t>
+            </a:r>
+            <a:endParaRPr kumimoji="0" lang="zh-CN" altLang="en-US" sz="1050" b="0" i="0" u="none" strike="noStrike" kern="100" cap="none" spc="0" normalizeH="0" baseline="0" noProof="0">
+              <a:ln>
+                <a:noFill/>
+              </a:ln>
+              <a:solidFill>
+                <a:sysClr val="window" lastClr="FFFFFF"/>
+              </a:solidFill>
+              <a:effectLst/>
+              <a:uLnTx/>
+              <a:uFillTx/>
+              <a:latin typeface="等线" panose="020F0502020204030204"/>
+              <a:ea typeface="等线" panose="02010600030101010101" pitchFamily="2" charset="-122"/>
+              <a:cs typeface="Times New Roman" panose="02020603050405020304" pitchFamily="18" charset="0"/>
+            </a:endParaRPr>
+          </a:p>
+        </p:txBody>
+      </p:sp>
+      <p:sp>
+        <p:nvSpPr>
+          <p:cNvPr id="17" name="矩形 16">
+            <a:extLst>
+              <a:ext uri="{FF2B5EF4-FFF2-40B4-BE49-F238E27FC236}">
+                <a16:creationId xmlns:a16="http://schemas.microsoft.com/office/drawing/2014/main" id="{719EB47C-C1AD-4EC6-BC5F-F166202E076C}"/>
+              </a:ext>
+            </a:extLst>
+          </p:cNvPr>
+          <p:cNvSpPr/>
+          <p:nvPr/>
+        </p:nvSpPr>
+        <p:spPr>
+          <a:xfrm>
+            <a:off x="5105400" y="1966912"/>
+            <a:ext cx="990600" cy="2924175"/>
+          </a:xfrm>
+          <a:prstGeom prst="rect">
+            <a:avLst/>
+          </a:prstGeom>
+          <a:solidFill>
+            <a:srgbClr val="70AD47">
+              <a:lumMod val="60000"/>
+              <a:lumOff val="40000"/>
+            </a:srgbClr>
+          </a:solidFill>
+          <a:ln w="12700" cap="flat" cmpd="sng" algn="ctr">
+            <a:solidFill>
+              <a:srgbClr val="4472C4">
+                <a:shade val="50000"/>
+              </a:srgbClr>
+            </a:solidFill>
+            <a:prstDash val="solid"/>
+            <a:miter lim="800000"/>
+          </a:ln>
+          <a:effectLst/>
+        </p:spPr>
+        <p:txBody>
+          <a:bodyPr rot="0" spcFirstLastPara="0" vert="horz" wrap="square" lIns="91440" tIns="45720" rIns="91440" bIns="45720" numCol="1" spcCol="0" rtlCol="0" fromWordArt="0" anchor="ctr" anchorCtr="0" forceAA="0" compatLnSpc="1">
+            <a:prstTxWarp prst="textNoShape">
+              <a:avLst/>
+            </a:prstTxWarp>
+            <a:noAutofit/>
+          </a:bodyPr>
+          <a:lstStyle/>
+          <a:p>
+            <a:pPr marL="0" marR="0" lvl="0" indent="0" algn="ctr" defTabSz="914400" eaLnBrk="1" fontAlgn="auto" latinLnBrk="0" hangingPunct="1">
+              <a:lnSpc>
+                <a:spcPct val="100000"/>
+              </a:lnSpc>
+              <a:spcBef>
+                <a:spcPts val="0"/>
+              </a:spcBef>
+              <a:spcAft>
+                <a:spcPts val="0"/>
+              </a:spcAft>
+              <a:buClrTx/>
+              <a:buSzTx/>
+              <a:buFontTx/>
+              <a:buNone/>
+              <a:tabLst/>
+              <a:defRPr/>
+            </a:pPr>
+            <a:r>
+              <a:rPr kumimoji="0" lang="zh-CN" altLang="en-US" sz="1500" b="0" i="0" u="none" strike="noStrike" kern="100" cap="none" spc="0" normalizeH="0" baseline="0" noProof="0" dirty="0">
+                <a:ln>
+                  <a:noFill/>
+                </a:ln>
+                <a:solidFill>
+                  <a:sysClr val="window" lastClr="FFFFFF"/>
+                </a:solidFill>
+                <a:effectLst/>
+                <a:uLnTx/>
+                <a:uFillTx/>
+                <a:latin typeface="等线" panose="020F0502020204030204"/>
+                <a:ea typeface="宋体" panose="02010600030101010101" pitchFamily="2" charset="-122"/>
+                <a:cs typeface="Times New Roman" panose="02020603050405020304" pitchFamily="18" charset="0"/>
+              </a:rPr>
+              <a:t>计算模型的评价指标，并调整参数进行下一轮训练</a:t>
+            </a:r>
+            <a:endParaRPr kumimoji="0" lang="zh-CN" altLang="en-US" sz="1050" b="0" i="0" u="none" strike="noStrike" kern="100" cap="none" spc="0" normalizeH="0" baseline="0" noProof="0" dirty="0">
+              <a:ln>
+                <a:noFill/>
+              </a:ln>
+              <a:solidFill>
+                <a:sysClr val="window" lastClr="FFFFFF"/>
+              </a:solidFill>
+              <a:effectLst/>
+              <a:uLnTx/>
+              <a:uFillTx/>
+              <a:latin typeface="等线" panose="020F0502020204030204"/>
+              <a:ea typeface="等线" panose="02010600030101010101" pitchFamily="2" charset="-122"/>
+              <a:cs typeface="Times New Roman" panose="02020603050405020304" pitchFamily="18" charset="0"/>
+            </a:endParaRPr>
+          </a:p>
+        </p:txBody>
+      </p:sp>
+      <p:cxnSp>
+        <p:nvCxnSpPr>
+          <p:cNvPr id="18" name="直接箭头连接符 17">
+            <a:extLst>
+              <a:ext uri="{FF2B5EF4-FFF2-40B4-BE49-F238E27FC236}">
+                <a16:creationId xmlns:a16="http://schemas.microsoft.com/office/drawing/2014/main" id="{6631D2B8-EDCD-4C3B-936F-DE4FDB71B3E3}"/>
+              </a:ext>
+            </a:extLst>
+          </p:cNvPr>
+          <p:cNvCxnSpPr/>
+          <p:nvPr/>
+        </p:nvCxnSpPr>
+        <p:spPr>
+          <a:xfrm>
+            <a:off x="1934845" y="3428682"/>
+            <a:ext cx="1046480" cy="0"/>
+          </a:xfrm>
+          <a:prstGeom prst="straightConnector1">
+            <a:avLst/>
+          </a:prstGeom>
+          <a:noFill/>
+          <a:ln w="6350" cap="flat" cmpd="sng" algn="ctr">
+            <a:solidFill>
+              <a:srgbClr val="4472C4"/>
+            </a:solidFill>
+            <a:prstDash val="solid"/>
+            <a:miter lim="800000"/>
+            <a:tailEnd type="triangle"/>
+          </a:ln>
+          <a:effectLst/>
+        </p:spPr>
+      </p:cxnSp>
+      <p:cxnSp>
+        <p:nvCxnSpPr>
+          <p:cNvPr id="19" name="直接箭头连接符 18">
+            <a:extLst>
+              <a:ext uri="{FF2B5EF4-FFF2-40B4-BE49-F238E27FC236}">
+                <a16:creationId xmlns:a16="http://schemas.microsoft.com/office/drawing/2014/main" id="{3D92C293-1F5B-4991-8B25-370733F188C4}"/>
+              </a:ext>
+            </a:extLst>
+          </p:cNvPr>
+          <p:cNvCxnSpPr/>
+          <p:nvPr/>
+        </p:nvCxnSpPr>
+        <p:spPr>
+          <a:xfrm>
+            <a:off x="3971925" y="3428682"/>
+            <a:ext cx="1133475" cy="0"/>
+          </a:xfrm>
+          <a:prstGeom prst="straightConnector1">
+            <a:avLst/>
+          </a:prstGeom>
+          <a:noFill/>
+          <a:ln w="6350" cap="flat" cmpd="sng" algn="ctr">
+            <a:solidFill>
+              <a:srgbClr val="4472C4"/>
+            </a:solidFill>
+            <a:prstDash val="solid"/>
+            <a:miter lim="800000"/>
+            <a:tailEnd type="triangle"/>
+          </a:ln>
+          <a:effectLst/>
+        </p:spPr>
+      </p:cxnSp>
     </p:spTree>
     <p:extLst>
       <p:ext uri="{BB962C8B-B14F-4D97-AF65-F5344CB8AC3E}">
@@ -5939,6 +6406,320 @@
   <p:clrMapOvr>
     <a:masterClrMapping/>
   </p:clrMapOvr>
+  <p:timing>
+    <p:tnLst>
+      <p:par>
+        <p:cTn id="1" dur="indefinite" restart="never" nodeType="tmRoot">
+          <p:childTnLst>
+            <p:seq concurrent="1" nextAc="seek">
+              <p:cTn id="2" dur="indefinite" nodeType="mainSeq">
+                <p:childTnLst>
+                  <p:par>
+                    <p:cTn id="3" fill="hold">
+                      <p:stCondLst>
+                        <p:cond delay="indefinite"/>
+                      </p:stCondLst>
+                      <p:childTnLst>
+                        <p:par>
+                          <p:cTn id="4" fill="hold">
+                            <p:stCondLst>
+                              <p:cond delay="0"/>
+                            </p:stCondLst>
+                            <p:childTnLst>
+                              <p:par>
+                                <p:cTn id="5" presetID="1" presetClass="entr" presetSubtype="0" fill="hold" grpId="0" nodeType="clickEffect">
+                                  <p:stCondLst>
+                                    <p:cond delay="0"/>
+                                  </p:stCondLst>
+                                  <p:childTnLst>
+                                    <p:set>
+                                      <p:cBhvr>
+                                        <p:cTn id="6" dur="1" fill="hold">
+                                          <p:stCondLst>
+                                            <p:cond delay="0"/>
+                                          </p:stCondLst>
+                                        </p:cTn>
+                                        <p:tgtEl>
+                                          <p:spTgt spid="14"/>
+                                        </p:tgtEl>
+                                        <p:attrNameLst>
+                                          <p:attrName>style.visibility</p:attrName>
+                                        </p:attrNameLst>
+                                      </p:cBhvr>
+                                      <p:to>
+                                        <p:strVal val="visible"/>
+                                      </p:to>
+                                    </p:set>
+                                  </p:childTnLst>
+                                </p:cTn>
+                              </p:par>
+                            </p:childTnLst>
+                          </p:cTn>
+                        </p:par>
+                      </p:childTnLst>
+                    </p:cTn>
+                  </p:par>
+                  <p:par>
+                    <p:cTn id="7" fill="hold">
+                      <p:stCondLst>
+                        <p:cond delay="indefinite"/>
+                      </p:stCondLst>
+                      <p:childTnLst>
+                        <p:par>
+                          <p:cTn id="8" fill="hold">
+                            <p:stCondLst>
+                              <p:cond delay="0"/>
+                            </p:stCondLst>
+                            <p:childTnLst>
+                              <p:par>
+                                <p:cTn id="9" presetID="1" presetClass="entr" presetSubtype="0" fill="hold" nodeType="clickEffect">
+                                  <p:stCondLst>
+                                    <p:cond delay="0"/>
+                                  </p:stCondLst>
+                                  <p:childTnLst>
+                                    <p:set>
+                                      <p:cBhvr>
+                                        <p:cTn id="10" dur="1" fill="hold">
+                                          <p:stCondLst>
+                                            <p:cond delay="0"/>
+                                          </p:stCondLst>
+                                        </p:cTn>
+                                        <p:tgtEl>
+                                          <p:spTgt spid="3074"/>
+                                        </p:tgtEl>
+                                        <p:attrNameLst>
+                                          <p:attrName>style.visibility</p:attrName>
+                                        </p:attrNameLst>
+                                      </p:cBhvr>
+                                      <p:to>
+                                        <p:strVal val="visible"/>
+                                      </p:to>
+                                    </p:set>
+                                  </p:childTnLst>
+                                </p:cTn>
+                              </p:par>
+                            </p:childTnLst>
+                          </p:cTn>
+                        </p:par>
+                      </p:childTnLst>
+                    </p:cTn>
+                  </p:par>
+                  <p:par>
+                    <p:cTn id="11" fill="hold">
+                      <p:stCondLst>
+                        <p:cond delay="indefinite"/>
+                      </p:stCondLst>
+                      <p:childTnLst>
+                        <p:par>
+                          <p:cTn id="12" fill="hold">
+                            <p:stCondLst>
+                              <p:cond delay="0"/>
+                            </p:stCondLst>
+                            <p:childTnLst>
+                              <p:par>
+                                <p:cTn id="13" presetID="1" presetClass="entr" presetSubtype="0" fill="hold" nodeType="clickEffect">
+                                  <p:stCondLst>
+                                    <p:cond delay="0"/>
+                                  </p:stCondLst>
+                                  <p:childTnLst>
+                                    <p:set>
+                                      <p:cBhvr>
+                                        <p:cTn id="14" dur="1" fill="hold">
+                                          <p:stCondLst>
+                                            <p:cond delay="0"/>
+                                          </p:stCondLst>
+                                        </p:cTn>
+                                        <p:tgtEl>
+                                          <p:spTgt spid="18"/>
+                                        </p:tgtEl>
+                                        <p:attrNameLst>
+                                          <p:attrName>style.visibility</p:attrName>
+                                        </p:attrNameLst>
+                                      </p:cBhvr>
+                                      <p:to>
+                                        <p:strVal val="visible"/>
+                                      </p:to>
+                                    </p:set>
+                                  </p:childTnLst>
+                                </p:cTn>
+                              </p:par>
+                              <p:par>
+                                <p:cTn id="15" presetID="1" presetClass="entr" presetSubtype="0" fill="hold" grpId="0" nodeType="withEffect">
+                                  <p:stCondLst>
+                                    <p:cond delay="0"/>
+                                  </p:stCondLst>
+                                  <p:childTnLst>
+                                    <p:set>
+                                      <p:cBhvr>
+                                        <p:cTn id="16" dur="1" fill="hold">
+                                          <p:stCondLst>
+                                            <p:cond delay="0"/>
+                                          </p:stCondLst>
+                                        </p:cTn>
+                                        <p:tgtEl>
+                                          <p:spTgt spid="15"/>
+                                        </p:tgtEl>
+                                        <p:attrNameLst>
+                                          <p:attrName>style.visibility</p:attrName>
+                                        </p:attrNameLst>
+                                      </p:cBhvr>
+                                      <p:to>
+                                        <p:strVal val="visible"/>
+                                      </p:to>
+                                    </p:set>
+                                  </p:childTnLst>
+                                </p:cTn>
+                              </p:par>
+                            </p:childTnLst>
+                          </p:cTn>
+                        </p:par>
+                      </p:childTnLst>
+                    </p:cTn>
+                  </p:par>
+                  <p:par>
+                    <p:cTn id="17" fill="hold">
+                      <p:stCondLst>
+                        <p:cond delay="indefinite"/>
+                      </p:stCondLst>
+                      <p:childTnLst>
+                        <p:par>
+                          <p:cTn id="18" fill="hold">
+                            <p:stCondLst>
+                              <p:cond delay="0"/>
+                            </p:stCondLst>
+                            <p:childTnLst>
+                              <p:par>
+                                <p:cTn id="19" presetID="1" presetClass="entr" presetSubtype="0" fill="hold" nodeType="clickEffect">
+                                  <p:stCondLst>
+                                    <p:cond delay="0"/>
+                                  </p:stCondLst>
+                                  <p:childTnLst>
+                                    <p:set>
+                                      <p:cBhvr>
+                                        <p:cTn id="20" dur="1" fill="hold">
+                                          <p:stCondLst>
+                                            <p:cond delay="0"/>
+                                          </p:stCondLst>
+                                        </p:cTn>
+                                        <p:tgtEl>
+                                          <p:spTgt spid="19"/>
+                                        </p:tgtEl>
+                                        <p:attrNameLst>
+                                          <p:attrName>style.visibility</p:attrName>
+                                        </p:attrNameLst>
+                                      </p:cBhvr>
+                                      <p:to>
+                                        <p:strVal val="visible"/>
+                                      </p:to>
+                                    </p:set>
+                                  </p:childTnLst>
+                                </p:cTn>
+                              </p:par>
+                              <p:par>
+                                <p:cTn id="21" presetID="1" presetClass="entr" presetSubtype="0" fill="hold" grpId="0" nodeType="withEffect">
+                                  <p:stCondLst>
+                                    <p:cond delay="0"/>
+                                  </p:stCondLst>
+                                  <p:childTnLst>
+                                    <p:set>
+                                      <p:cBhvr>
+                                        <p:cTn id="22" dur="1" fill="hold">
+                                          <p:stCondLst>
+                                            <p:cond delay="0"/>
+                                          </p:stCondLst>
+                                        </p:cTn>
+                                        <p:tgtEl>
+                                          <p:spTgt spid="17"/>
+                                        </p:tgtEl>
+                                        <p:attrNameLst>
+                                          <p:attrName>style.visibility</p:attrName>
+                                        </p:attrNameLst>
+                                      </p:cBhvr>
+                                      <p:to>
+                                        <p:strVal val="visible"/>
+                                      </p:to>
+                                    </p:set>
+                                  </p:childTnLst>
+                                </p:cTn>
+                              </p:par>
+                            </p:childTnLst>
+                          </p:cTn>
+                        </p:par>
+                      </p:childTnLst>
+                    </p:cTn>
+                  </p:par>
+                  <p:par>
+                    <p:cTn id="23" fill="hold">
+                      <p:stCondLst>
+                        <p:cond delay="indefinite"/>
+                      </p:stCondLst>
+                      <p:childTnLst>
+                        <p:par>
+                          <p:cTn id="24" fill="hold">
+                            <p:stCondLst>
+                              <p:cond delay="0"/>
+                            </p:stCondLst>
+                            <p:childTnLst>
+                              <p:par>
+                                <p:cTn id="25" presetID="1" presetClass="entr" presetSubtype="0" fill="hold" nodeType="clickEffect">
+                                  <p:stCondLst>
+                                    <p:cond delay="0"/>
+                                  </p:stCondLst>
+                                  <p:childTnLst>
+                                    <p:set>
+                                      <p:cBhvr>
+                                        <p:cTn id="26" dur="1" fill="hold">
+                                          <p:stCondLst>
+                                            <p:cond delay="0"/>
+                                          </p:stCondLst>
+                                        </p:cTn>
+                                        <p:tgtEl>
+                                          <p:spTgt spid="16"/>
+                                        </p:tgtEl>
+                                        <p:attrNameLst>
+                                          <p:attrName>style.visibility</p:attrName>
+                                        </p:attrNameLst>
+                                      </p:cBhvr>
+                                      <p:to>
+                                        <p:strVal val="visible"/>
+                                      </p:to>
+                                    </p:set>
+                                  </p:childTnLst>
+                                </p:cTn>
+                              </p:par>
+                            </p:childTnLst>
+                          </p:cTn>
+                        </p:par>
+                      </p:childTnLst>
+                    </p:cTn>
+                  </p:par>
+                </p:childTnLst>
+              </p:cTn>
+              <p:prevCondLst>
+                <p:cond evt="onPrev" delay="0">
+                  <p:tgtEl>
+                    <p:sldTgt/>
+                  </p:tgtEl>
+                </p:cond>
+              </p:prevCondLst>
+              <p:nextCondLst>
+                <p:cond evt="onNext" delay="0">
+                  <p:tgtEl>
+                    <p:sldTgt/>
+                  </p:tgtEl>
+                </p:cond>
+              </p:nextCondLst>
+            </p:seq>
+          </p:childTnLst>
+        </p:cTn>
+      </p:par>
+    </p:tnLst>
+    <p:bldLst>
+      <p:bldP spid="14" grpId="0" animBg="1"/>
+      <p:bldP spid="15" grpId="0" animBg="1"/>
+      <p:bldP spid="17" grpId="0" animBg="1"/>
+    </p:bldLst>
+  </p:timing>
 </p:sld>
 </file>
 
@@ -6797,6 +7578,202 @@
   <p:clrMapOvr>
     <a:masterClrMapping/>
   </p:clrMapOvr>
+  <p:timing>
+    <p:tnLst>
+      <p:par>
+        <p:cTn id="1" dur="indefinite" restart="never" nodeType="tmRoot">
+          <p:childTnLst>
+            <p:seq concurrent="1" nextAc="seek">
+              <p:cTn id="2" dur="indefinite" nodeType="mainSeq">
+                <p:childTnLst>
+                  <p:par>
+                    <p:cTn id="3" fill="hold">
+                      <p:stCondLst>
+                        <p:cond delay="indefinite"/>
+                      </p:stCondLst>
+                      <p:childTnLst>
+                        <p:par>
+                          <p:cTn id="4" fill="hold">
+                            <p:stCondLst>
+                              <p:cond delay="0"/>
+                            </p:stCondLst>
+                            <p:childTnLst>
+                              <p:par>
+                                <p:cTn id="5" presetID="1" presetClass="entr" presetSubtype="0" fill="hold" grpId="0" nodeType="clickEffect">
+                                  <p:stCondLst>
+                                    <p:cond delay="0"/>
+                                  </p:stCondLst>
+                                  <p:childTnLst>
+                                    <p:set>
+                                      <p:cBhvr>
+                                        <p:cTn id="6" dur="1" fill="hold">
+                                          <p:stCondLst>
+                                            <p:cond delay="0"/>
+                                          </p:stCondLst>
+                                        </p:cTn>
+                                        <p:tgtEl>
+                                          <p:spTgt spid="35"/>
+                                        </p:tgtEl>
+                                        <p:attrNameLst>
+                                          <p:attrName>style.visibility</p:attrName>
+                                        </p:attrNameLst>
+                                      </p:cBhvr>
+                                      <p:to>
+                                        <p:strVal val="visible"/>
+                                      </p:to>
+                                    </p:set>
+                                  </p:childTnLst>
+                                </p:cTn>
+                              </p:par>
+                              <p:par>
+                                <p:cTn id="7" presetID="1" presetClass="entr" presetSubtype="0" fill="hold" grpId="0" nodeType="withEffect">
+                                  <p:stCondLst>
+                                    <p:cond delay="0"/>
+                                  </p:stCondLst>
+                                  <p:childTnLst>
+                                    <p:set>
+                                      <p:cBhvr>
+                                        <p:cTn id="8" dur="1" fill="hold">
+                                          <p:stCondLst>
+                                            <p:cond delay="0"/>
+                                          </p:stCondLst>
+                                        </p:cTn>
+                                        <p:tgtEl>
+                                          <p:spTgt spid="37"/>
+                                        </p:tgtEl>
+                                        <p:attrNameLst>
+                                          <p:attrName>style.visibility</p:attrName>
+                                        </p:attrNameLst>
+                                      </p:cBhvr>
+                                      <p:to>
+                                        <p:strVal val="visible"/>
+                                      </p:to>
+                                    </p:set>
+                                  </p:childTnLst>
+                                </p:cTn>
+                              </p:par>
+                            </p:childTnLst>
+                          </p:cTn>
+                        </p:par>
+                      </p:childTnLst>
+                    </p:cTn>
+                  </p:par>
+                  <p:par>
+                    <p:cTn id="9" fill="hold">
+                      <p:stCondLst>
+                        <p:cond delay="indefinite"/>
+                      </p:stCondLst>
+                      <p:childTnLst>
+                        <p:par>
+                          <p:cTn id="10" fill="hold">
+                            <p:stCondLst>
+                              <p:cond delay="0"/>
+                            </p:stCondLst>
+                            <p:childTnLst>
+                              <p:par>
+                                <p:cTn id="11" presetID="1" presetClass="entr" presetSubtype="0" fill="hold" nodeType="clickEffect">
+                                  <p:stCondLst>
+                                    <p:cond delay="0"/>
+                                  </p:stCondLst>
+                                  <p:childTnLst>
+                                    <p:set>
+                                      <p:cBhvr>
+                                        <p:cTn id="12" dur="1" fill="hold">
+                                          <p:stCondLst>
+                                            <p:cond delay="0"/>
+                                          </p:stCondLst>
+                                        </p:cTn>
+                                        <p:tgtEl>
+                                          <p:spTgt spid="5"/>
+                                        </p:tgtEl>
+                                        <p:attrNameLst>
+                                          <p:attrName>style.visibility</p:attrName>
+                                        </p:attrNameLst>
+                                      </p:cBhvr>
+                                      <p:to>
+                                        <p:strVal val="visible"/>
+                                      </p:to>
+                                    </p:set>
+                                  </p:childTnLst>
+                                </p:cTn>
+                              </p:par>
+                            </p:childTnLst>
+                          </p:cTn>
+                        </p:par>
+                      </p:childTnLst>
+                    </p:cTn>
+                  </p:par>
+                  <p:par>
+                    <p:cTn id="13" fill="hold">
+                      <p:stCondLst>
+                        <p:cond delay="indefinite"/>
+                      </p:stCondLst>
+                      <p:childTnLst>
+                        <p:par>
+                          <p:cTn id="14" fill="hold">
+                            <p:stCondLst>
+                              <p:cond delay="0"/>
+                            </p:stCondLst>
+                            <p:childTnLst>
+                              <p:par>
+                                <p:cTn id="15" presetID="1" presetClass="entr" presetSubtype="0" fill="hold" nodeType="clickEffect">
+                                  <p:stCondLst>
+                                    <p:cond delay="0"/>
+                                  </p:stCondLst>
+                                  <p:childTnLst>
+                                    <p:set>
+                                      <p:cBhvr>
+                                        <p:cTn id="16" dur="1" fill="hold">
+                                          <p:stCondLst>
+                                            <p:cond delay="0"/>
+                                          </p:stCondLst>
+                                        </p:cTn>
+                                        <p:tgtEl>
+                                          <p:spTgt spid="9"/>
+                                        </p:tgtEl>
+                                        <p:attrNameLst>
+                                          <p:attrName>style.visibility</p:attrName>
+                                        </p:attrNameLst>
+                                      </p:cBhvr>
+                                      <p:to>
+                                        <p:strVal val="visible"/>
+                                      </p:to>
+                                    </p:set>
+                                  </p:childTnLst>
+                                </p:cTn>
+                              </p:par>
+                            </p:childTnLst>
+                          </p:cTn>
+                        </p:par>
+                      </p:childTnLst>
+                    </p:cTn>
+                  </p:par>
+                </p:childTnLst>
+              </p:cTn>
+              <p:prevCondLst>
+                <p:cond evt="onPrev" delay="0">
+                  <p:tgtEl>
+                    <p:sldTgt/>
+                  </p:tgtEl>
+                </p:cond>
+              </p:prevCondLst>
+              <p:nextCondLst>
+                <p:cond evt="onNext" delay="0">
+                  <p:tgtEl>
+                    <p:sldTgt/>
+                  </p:tgtEl>
+                </p:cond>
+              </p:nextCondLst>
+            </p:seq>
+          </p:childTnLst>
+        </p:cTn>
+      </p:par>
+    </p:tnLst>
+    <p:bldLst>
+      <p:bldP spid="35" grpId="0"/>
+      <p:bldP spid="37" grpId="0"/>
+    </p:bldLst>
+  </p:timing>
 </p:sld>
 </file>
 
